--- a/source/_posts/private/框架/spring/temp.pptx
+++ b/source/_posts/private/框架/spring/temp.pptx
@@ -104,6 +104,11 @@
       </a:defRPr>
     </a:lvl9pPr>
   </p:defaultTextStyle>
+  <p:extLst>
+    <p:ext uri="{EFAFB233-063F-42B5-8137-9DF3F51BA10A}">
+      <p15:sldGuideLst xmlns:p15="http://schemas.microsoft.com/office/powerpoint/2012/main"/>
+    </p:ext>
+  </p:extLst>
 </p:presentation>
 </file>
 
@@ -238,7 +243,7 @@
           <a:p>
             <a:fld id="{97865DDE-82E1-4A74-8634-43C22567D6CF}" type="datetimeFigureOut">
               <a:rPr lang="zh-CN" altLang="en-US" smtClean="0"/>
-              <a:t>2018/12/8</a:t>
+              <a:t>2018/12/22</a:t>
             </a:fld>
             <a:endParaRPr lang="zh-CN" altLang="en-US"/>
           </a:p>
@@ -408,7 +413,7 @@
           <a:p>
             <a:fld id="{97865DDE-82E1-4A74-8634-43C22567D6CF}" type="datetimeFigureOut">
               <a:rPr lang="zh-CN" altLang="en-US" smtClean="0"/>
-              <a:t>2018/12/8</a:t>
+              <a:t>2018/12/22</a:t>
             </a:fld>
             <a:endParaRPr lang="zh-CN" altLang="en-US"/>
           </a:p>
@@ -588,7 +593,7 @@
           <a:p>
             <a:fld id="{97865DDE-82E1-4A74-8634-43C22567D6CF}" type="datetimeFigureOut">
               <a:rPr lang="zh-CN" altLang="en-US" smtClean="0"/>
-              <a:t>2018/12/8</a:t>
+              <a:t>2018/12/22</a:t>
             </a:fld>
             <a:endParaRPr lang="zh-CN" altLang="en-US"/>
           </a:p>
@@ -758,7 +763,7 @@
           <a:p>
             <a:fld id="{97865DDE-82E1-4A74-8634-43C22567D6CF}" type="datetimeFigureOut">
               <a:rPr lang="zh-CN" altLang="en-US" smtClean="0"/>
-              <a:t>2018/12/8</a:t>
+              <a:t>2018/12/22</a:t>
             </a:fld>
             <a:endParaRPr lang="zh-CN" altLang="en-US"/>
           </a:p>
@@ -1004,7 +1009,7 @@
           <a:p>
             <a:fld id="{97865DDE-82E1-4A74-8634-43C22567D6CF}" type="datetimeFigureOut">
               <a:rPr lang="zh-CN" altLang="en-US" smtClean="0"/>
-              <a:t>2018/12/8</a:t>
+              <a:t>2018/12/22</a:t>
             </a:fld>
             <a:endParaRPr lang="zh-CN" altLang="en-US"/>
           </a:p>
@@ -1236,7 +1241,7 @@
           <a:p>
             <a:fld id="{97865DDE-82E1-4A74-8634-43C22567D6CF}" type="datetimeFigureOut">
               <a:rPr lang="zh-CN" altLang="en-US" smtClean="0"/>
-              <a:t>2018/12/8</a:t>
+              <a:t>2018/12/22</a:t>
             </a:fld>
             <a:endParaRPr lang="zh-CN" altLang="en-US"/>
           </a:p>
@@ -1603,7 +1608,7 @@
           <a:p>
             <a:fld id="{97865DDE-82E1-4A74-8634-43C22567D6CF}" type="datetimeFigureOut">
               <a:rPr lang="zh-CN" altLang="en-US" smtClean="0"/>
-              <a:t>2018/12/8</a:t>
+              <a:t>2018/12/22</a:t>
             </a:fld>
             <a:endParaRPr lang="zh-CN" altLang="en-US"/>
           </a:p>
@@ -1721,7 +1726,7 @@
           <a:p>
             <a:fld id="{97865DDE-82E1-4A74-8634-43C22567D6CF}" type="datetimeFigureOut">
               <a:rPr lang="zh-CN" altLang="en-US" smtClean="0"/>
-              <a:t>2018/12/8</a:t>
+              <a:t>2018/12/22</a:t>
             </a:fld>
             <a:endParaRPr lang="zh-CN" altLang="en-US"/>
           </a:p>
@@ -1816,7 +1821,7 @@
           <a:p>
             <a:fld id="{97865DDE-82E1-4A74-8634-43C22567D6CF}" type="datetimeFigureOut">
               <a:rPr lang="zh-CN" altLang="en-US" smtClean="0"/>
-              <a:t>2018/12/8</a:t>
+              <a:t>2018/12/22</a:t>
             </a:fld>
             <a:endParaRPr lang="zh-CN" altLang="en-US"/>
           </a:p>
@@ -2093,7 +2098,7 @@
           <a:p>
             <a:fld id="{97865DDE-82E1-4A74-8634-43C22567D6CF}" type="datetimeFigureOut">
               <a:rPr lang="zh-CN" altLang="en-US" smtClean="0"/>
-              <a:t>2018/12/8</a:t>
+              <a:t>2018/12/22</a:t>
             </a:fld>
             <a:endParaRPr lang="zh-CN" altLang="en-US"/>
           </a:p>
@@ -2346,7 +2351,7 @@
           <a:p>
             <a:fld id="{97865DDE-82E1-4A74-8634-43C22567D6CF}" type="datetimeFigureOut">
               <a:rPr lang="zh-CN" altLang="en-US" smtClean="0"/>
-              <a:t>2018/12/8</a:t>
+              <a:t>2018/12/22</a:t>
             </a:fld>
             <a:endParaRPr lang="zh-CN" altLang="en-US"/>
           </a:p>
@@ -2559,7 +2564,7 @@
           <a:p>
             <a:fld id="{97865DDE-82E1-4A74-8634-43C22567D6CF}" type="datetimeFigureOut">
               <a:rPr lang="zh-CN" altLang="en-US" smtClean="0"/>
-              <a:t>2018/12/8</a:t>
+              <a:t>2018/12/22</a:t>
             </a:fld>
             <a:endParaRPr lang="zh-CN" altLang="en-US"/>
           </a:p>
@@ -3299,11 +3304,15 @@
           <a:p>
             <a:r>
               <a:rPr lang="en-US" altLang="zh-CN" sz="1600" smtClean="0"/>
-              <a:t>1:xml</a:t>
+              <a:t>1</a:t>
+            </a:r>
+            <a:r>
+              <a:rPr lang="en-US" altLang="zh-CN" sz="1600" smtClean="0"/>
+              <a:t>:</a:t>
             </a:r>
             <a:r>
               <a:rPr lang="zh-CN" altLang="en-US" sz="1600" smtClean="0"/>
-              <a:t>中使用</a:t>
+              <a:t>使用</a:t>
             </a:r>
             <a:r>
               <a:rPr lang="en-US" altLang="zh-CN" sz="1600" smtClean="0"/>
@@ -3313,8 +3322,21 @@
           <a:p>
             <a:r>
               <a:rPr lang="en-US" altLang="zh-CN" sz="1600" smtClean="0"/>
-              <a:t>2:@Value()</a:t>
-            </a:r>
+              <a:t>2:@Value</a:t>
+            </a:r>
+            <a:r>
+              <a:rPr lang="en-US" altLang="zh-CN" sz="1600" smtClean="0"/>
+              <a:t>(),</a:t>
+            </a:r>
+            <a:r>
+              <a:rPr lang="zh-CN" altLang="en-US" sz="1600" smtClean="0"/>
+              <a:t>一般配合</a:t>
+            </a:r>
+            <a:r>
+              <a:rPr lang="en-US" altLang="zh-CN" sz="1600" smtClean="0"/>
+              <a:t>${}</a:t>
+            </a:r>
+            <a:endParaRPr lang="en-US" altLang="zh-CN" sz="1600" smtClean="0"/>
           </a:p>
           <a:p>
             <a:r>

--- a/source/_posts/private/框架/spring/temp.pptx
+++ b/source/_posts/private/框架/spring/temp.pptx
@@ -243,7 +243,7 @@
           <a:p>
             <a:fld id="{97865DDE-82E1-4A74-8634-43C22567D6CF}" type="datetimeFigureOut">
               <a:rPr lang="zh-CN" altLang="en-US" smtClean="0"/>
-              <a:t>2018/12/22</a:t>
+              <a:t>2019/1/5</a:t>
             </a:fld>
             <a:endParaRPr lang="zh-CN" altLang="en-US"/>
           </a:p>
@@ -413,7 +413,7 @@
           <a:p>
             <a:fld id="{97865DDE-82E1-4A74-8634-43C22567D6CF}" type="datetimeFigureOut">
               <a:rPr lang="zh-CN" altLang="en-US" smtClean="0"/>
-              <a:t>2018/12/22</a:t>
+              <a:t>2019/1/5</a:t>
             </a:fld>
             <a:endParaRPr lang="zh-CN" altLang="en-US"/>
           </a:p>
@@ -593,7 +593,7 @@
           <a:p>
             <a:fld id="{97865DDE-82E1-4A74-8634-43C22567D6CF}" type="datetimeFigureOut">
               <a:rPr lang="zh-CN" altLang="en-US" smtClean="0"/>
-              <a:t>2018/12/22</a:t>
+              <a:t>2019/1/5</a:t>
             </a:fld>
             <a:endParaRPr lang="zh-CN" altLang="en-US"/>
           </a:p>
@@ -763,7 +763,7 @@
           <a:p>
             <a:fld id="{97865DDE-82E1-4A74-8634-43C22567D6CF}" type="datetimeFigureOut">
               <a:rPr lang="zh-CN" altLang="en-US" smtClean="0"/>
-              <a:t>2018/12/22</a:t>
+              <a:t>2019/1/5</a:t>
             </a:fld>
             <a:endParaRPr lang="zh-CN" altLang="en-US"/>
           </a:p>
@@ -1009,7 +1009,7 @@
           <a:p>
             <a:fld id="{97865DDE-82E1-4A74-8634-43C22567D6CF}" type="datetimeFigureOut">
               <a:rPr lang="zh-CN" altLang="en-US" smtClean="0"/>
-              <a:t>2018/12/22</a:t>
+              <a:t>2019/1/5</a:t>
             </a:fld>
             <a:endParaRPr lang="zh-CN" altLang="en-US"/>
           </a:p>
@@ -1241,7 +1241,7 @@
           <a:p>
             <a:fld id="{97865DDE-82E1-4A74-8634-43C22567D6CF}" type="datetimeFigureOut">
               <a:rPr lang="zh-CN" altLang="en-US" smtClean="0"/>
-              <a:t>2018/12/22</a:t>
+              <a:t>2019/1/5</a:t>
             </a:fld>
             <a:endParaRPr lang="zh-CN" altLang="en-US"/>
           </a:p>
@@ -1608,7 +1608,7 @@
           <a:p>
             <a:fld id="{97865DDE-82E1-4A74-8634-43C22567D6CF}" type="datetimeFigureOut">
               <a:rPr lang="zh-CN" altLang="en-US" smtClean="0"/>
-              <a:t>2018/12/22</a:t>
+              <a:t>2019/1/5</a:t>
             </a:fld>
             <a:endParaRPr lang="zh-CN" altLang="en-US"/>
           </a:p>
@@ -1726,7 +1726,7 @@
           <a:p>
             <a:fld id="{97865DDE-82E1-4A74-8634-43C22567D6CF}" type="datetimeFigureOut">
               <a:rPr lang="zh-CN" altLang="en-US" smtClean="0"/>
-              <a:t>2018/12/22</a:t>
+              <a:t>2019/1/5</a:t>
             </a:fld>
             <a:endParaRPr lang="zh-CN" altLang="en-US"/>
           </a:p>
@@ -1821,7 +1821,7 @@
           <a:p>
             <a:fld id="{97865DDE-82E1-4A74-8634-43C22567D6CF}" type="datetimeFigureOut">
               <a:rPr lang="zh-CN" altLang="en-US" smtClean="0"/>
-              <a:t>2018/12/22</a:t>
+              <a:t>2019/1/5</a:t>
             </a:fld>
             <a:endParaRPr lang="zh-CN" altLang="en-US"/>
           </a:p>
@@ -2098,7 +2098,7 @@
           <a:p>
             <a:fld id="{97865DDE-82E1-4A74-8634-43C22567D6CF}" type="datetimeFigureOut">
               <a:rPr lang="zh-CN" altLang="en-US" smtClean="0"/>
-              <a:t>2018/12/22</a:t>
+              <a:t>2019/1/5</a:t>
             </a:fld>
             <a:endParaRPr lang="zh-CN" altLang="en-US"/>
           </a:p>
@@ -2351,7 +2351,7 @@
           <a:p>
             <a:fld id="{97865DDE-82E1-4A74-8634-43C22567D6CF}" type="datetimeFigureOut">
               <a:rPr lang="zh-CN" altLang="en-US" smtClean="0"/>
-              <a:t>2018/12/22</a:t>
+              <a:t>2019/1/5</a:t>
             </a:fld>
             <a:endParaRPr lang="zh-CN" altLang="en-US"/>
           </a:p>
@@ -2564,7 +2564,7 @@
           <a:p>
             <a:fld id="{97865DDE-82E1-4A74-8634-43C22567D6CF}" type="datetimeFigureOut">
               <a:rPr lang="zh-CN" altLang="en-US" smtClean="0"/>
-              <a:t>2018/12/22</a:t>
+              <a:t>2019/1/5</a:t>
             </a:fld>
             <a:endParaRPr lang="zh-CN" altLang="en-US"/>
           </a:p>
@@ -3254,7 +3254,7 @@
         <p:spPr>
           <a:xfrm>
             <a:off x="8405814" y="3495658"/>
-            <a:ext cx="3509961" cy="2092881"/>
+            <a:ext cx="3509961" cy="1815882"/>
           </a:xfrm>
           <a:prstGeom prst="rect">
             <a:avLst/>
@@ -3304,11 +3304,7 @@
           <a:p>
             <a:r>
               <a:rPr lang="en-US" altLang="zh-CN" sz="1600" smtClean="0"/>
-              <a:t>1</a:t>
-            </a:r>
-            <a:r>
-              <a:rPr lang="en-US" altLang="zh-CN" sz="1600" smtClean="0"/>
-              <a:t>:</a:t>
+              <a:t>1:</a:t>
             </a:r>
             <a:r>
               <a:rPr lang="zh-CN" altLang="en-US" sz="1600" smtClean="0"/>
@@ -3316,32 +3312,26 @@
             </a:r>
             <a:r>
               <a:rPr lang="en-US" altLang="zh-CN" sz="1600" smtClean="0"/>
-              <a:t>${}</a:t>
-            </a:r>
-          </a:p>
-          <a:p>
+              <a:t>${},spEL</a:t>
+            </a:r>
+            <a:r>
+              <a:rPr lang="zh-CN" altLang="en-US" sz="1600" smtClean="0"/>
+              <a:t>，一般配合</a:t>
+            </a:r>
             <a:r>
               <a:rPr lang="en-US" altLang="zh-CN" sz="1600" smtClean="0"/>
-              <a:t>2:@Value</a:t>
-            </a:r>
+              <a:t>@Value</a:t>
+            </a:r>
+            <a:endParaRPr lang="en-US" altLang="zh-CN" sz="1600" smtClean="0"/>
+          </a:p>
+          <a:p>
             <a:r>
               <a:rPr lang="en-US" altLang="zh-CN" sz="1600" smtClean="0"/>
-              <a:t>(),</a:t>
-            </a:r>
-            <a:r>
-              <a:rPr lang="zh-CN" altLang="en-US" sz="1600" smtClean="0"/>
-              <a:t>一般配合</a:t>
+              <a:t>2:Environment.get</a:t>
             </a:r>
             <a:r>
               <a:rPr lang="en-US" altLang="zh-CN" sz="1600" smtClean="0"/>
-              <a:t>${}</a:t>
-            </a:r>
-            <a:endParaRPr lang="en-US" altLang="zh-CN" sz="1600" smtClean="0"/>
-          </a:p>
-          <a:p>
-            <a:r>
-              <a:rPr lang="en-US" altLang="zh-CN" sz="1600" smtClean="0"/>
-              <a:t>3:Environment.get()</a:t>
+              <a:t>()</a:t>
             </a:r>
           </a:p>
           <a:p>
@@ -3352,12 +3342,12 @@
           </a:p>
           <a:p>
             <a:r>
+              <a:rPr lang="en-US" altLang="zh-CN" sz="1600"/>
+              <a:t>3</a:t>
+            </a:r>
+            <a:r>
               <a:rPr lang="en-US" altLang="zh-CN" sz="1600" smtClean="0"/>
-              <a:t>4:</a:t>
-            </a:r>
-            <a:r>
-              <a:rPr lang="en-US" altLang="zh-CN" sz="1600"/>
-              <a:t>@</a:t>
+              <a:t>:@</a:t>
             </a:r>
             <a:r>
               <a:rPr lang="en-US" altLang="zh-CN" sz="1600" smtClean="0"/>
@@ -3507,7 +3497,7 @@
         <p:spPr>
           <a:xfrm>
             <a:off x="3964920" y="902607"/>
-            <a:ext cx="4395513" cy="2123658"/>
+            <a:ext cx="4395513" cy="2062103"/>
           </a:xfrm>
           <a:prstGeom prst="rect">
             <a:avLst/>
@@ -3550,34 +3540,34 @@
           </a:p>
           <a:p>
             <a:r>
+              <a:rPr lang="en-US" altLang="zh-CN" sz="1600"/>
+              <a:t>2:PropertyPlaceholderConfigurer</a:t>
+            </a:r>
+          </a:p>
+          <a:p>
+            <a:r>
+              <a:rPr lang="en-US" altLang="zh-CN" sz="1600"/>
+              <a:t>3:PropertySourcesPlaceholderConfigurer</a:t>
+            </a:r>
+          </a:p>
+          <a:p>
+            <a:r>
               <a:rPr lang="en-US" altLang="zh-CN" sz="1600" smtClean="0"/>
-              <a:t>2:</a:t>
+              <a:t>4:</a:t>
             </a:r>
             <a:r>
               <a:rPr lang="zh-CN" altLang="en-US" sz="1600" smtClean="0"/>
               <a:t>通过 </a:t>
             </a:r>
             <a:r>
-              <a:rPr lang="en-US" altLang="zh-CN" sz="1600" smtClean="0"/>
+              <a:rPr lang="en-US" altLang="zh-CN" sz="1600"/>
               <a:t>@PropertySource </a:t>
             </a:r>
             <a:r>
-              <a:rPr lang="zh-CN" altLang="en-US" sz="1600" smtClean="0"/>
+              <a:rPr lang="zh-CN" altLang="en-US" sz="1600"/>
               <a:t>配置</a:t>
             </a:r>
             <a:endParaRPr lang="en-US" altLang="zh-CN" sz="1600" smtClean="0"/>
-          </a:p>
-          <a:p>
-            <a:r>
-              <a:rPr lang="en-US" altLang="zh-CN" sz="1600" smtClean="0"/>
-              <a:t>3:PropertyPlaceholderConfigurer</a:t>
-            </a:r>
-          </a:p>
-          <a:p>
-            <a:r>
-              <a:rPr lang="en-US" altLang="zh-CN" sz="1600" smtClean="0"/>
-              <a:t>4:PropertySourcesPlaceholderConfigurer</a:t>
-            </a:r>
           </a:p>
           <a:p>
             <a:r>
